--- a/cits1003-lecture_slides/CITS1003-B Cyber Law.pptx
+++ b/cits1003-lecture_slides/CITS1003-B Cyber Law.pptx
@@ -5,7 +5,7 @@
     <p:sldMasterId id="2147483763" r:id="rId1"/>
   </p:sldMasterIdLst>
   <p:notesMasterIdLst>
-    <p:notesMasterId r:id="rId39"/>
+    <p:notesMasterId r:id="rId40"/>
   </p:notesMasterIdLst>
   <p:sldIdLst>
     <p:sldId id="256" r:id="rId2"/>
@@ -28,8 +28,8 @@
     <p:sldId id="316" r:id="rId19"/>
     <p:sldId id="317" r:id="rId20"/>
     <p:sldId id="312" r:id="rId21"/>
-    <p:sldId id="331" r:id="rId22"/>
-    <p:sldId id="330" r:id="rId23"/>
+    <p:sldId id="330" r:id="rId22"/>
+    <p:sldId id="331" r:id="rId23"/>
     <p:sldId id="313" r:id="rId24"/>
     <p:sldId id="315" r:id="rId25"/>
     <p:sldId id="318" r:id="rId26"/>
@@ -37,14 +37,15 @@
     <p:sldId id="322" r:id="rId28"/>
     <p:sldId id="324" r:id="rId29"/>
     <p:sldId id="323" r:id="rId30"/>
-    <p:sldId id="320" r:id="rId31"/>
-    <p:sldId id="326" r:id="rId32"/>
-    <p:sldId id="321" r:id="rId33"/>
-    <p:sldId id="327" r:id="rId34"/>
-    <p:sldId id="328" r:id="rId35"/>
-    <p:sldId id="329" r:id="rId36"/>
-    <p:sldId id="325" r:id="rId37"/>
-    <p:sldId id="314" r:id="rId38"/>
+    <p:sldId id="390" r:id="rId31"/>
+    <p:sldId id="320" r:id="rId32"/>
+    <p:sldId id="326" r:id="rId33"/>
+    <p:sldId id="321" r:id="rId34"/>
+    <p:sldId id="327" r:id="rId35"/>
+    <p:sldId id="328" r:id="rId36"/>
+    <p:sldId id="329" r:id="rId37"/>
+    <p:sldId id="325" r:id="rId38"/>
+    <p:sldId id="314" r:id="rId39"/>
   </p:sldIdLst>
   <p:sldSz cx="12192000" cy="6858000"/>
   <p:notesSz cx="6858000" cy="9144000"/>
@@ -214,6 +215,69 @@
             <pc:docMk/>
             <pc:sldMk cId="3720175198" sldId="324"/>
             <ac:spMk id="2" creationId="{07F6FF8C-A74B-E640-AF2F-9B4E07A213CF}"/>
+          </ac:spMkLst>
+        </pc:spChg>
+      </pc:sldChg>
+    </pc:docChg>
+  </pc:docChgLst>
+  <pc:docChgLst>
+    <pc:chgData name="Robert McKnight" userId="d5c7fb24-67df-49c0-a0e8-7fe946ae099c" providerId="ADAL" clId="{422F8D64-1F6C-41C9-96E0-2AD795B95CF1}"/>
+    <pc:docChg chg="modSld sldOrd">
+      <pc:chgData name="Robert McKnight" userId="d5c7fb24-67df-49c0-a0e8-7fe946ae099c" providerId="ADAL" clId="{422F8D64-1F6C-41C9-96E0-2AD795B95CF1}" dt="2025-01-09T03:01:29.182" v="1"/>
+      <pc:docMkLst>
+        <pc:docMk/>
+      </pc:docMkLst>
+      <pc:sldChg chg="ord">
+        <pc:chgData name="Robert McKnight" userId="d5c7fb24-67df-49c0-a0e8-7fe946ae099c" providerId="ADAL" clId="{422F8D64-1F6C-41C9-96E0-2AD795B95CF1}" dt="2025-01-09T03:01:29.182" v="1"/>
+        <pc:sldMkLst>
+          <pc:docMk/>
+          <pc:sldMk cId="963198323" sldId="330"/>
+        </pc:sldMkLst>
+      </pc:sldChg>
+    </pc:docChg>
+  </pc:docChgLst>
+  <pc:docChgLst>
+    <pc:chgData name="Robert McKnight" userId="d5c7fb24-67df-49c0-a0e8-7fe946ae099c" providerId="ADAL" clId="{704FE7C2-8B20-4899-9AA6-D3FE1402E976}"/>
+    <pc:docChg chg="custSel addSld modSld">
+      <pc:chgData name="Robert McKnight" userId="d5c7fb24-67df-49c0-a0e8-7fe946ae099c" providerId="ADAL" clId="{704FE7C2-8B20-4899-9AA6-D3FE1402E976}" dt="2025-05-05T03:02:54.021" v="38" actId="478"/>
+      <pc:docMkLst>
+        <pc:docMk/>
+      </pc:docMkLst>
+      <pc:sldChg chg="delSp mod">
+        <pc:chgData name="Robert McKnight" userId="d5c7fb24-67df-49c0-a0e8-7fe946ae099c" providerId="ADAL" clId="{704FE7C2-8B20-4899-9AA6-D3FE1402E976}" dt="2025-05-05T03:02:54.021" v="38" actId="478"/>
+        <pc:sldMkLst>
+          <pc:docMk/>
+          <pc:sldMk cId="2732321782" sldId="306"/>
+        </pc:sldMkLst>
+        <pc:spChg chg="del">
+          <ac:chgData name="Robert McKnight" userId="d5c7fb24-67df-49c0-a0e8-7fe946ae099c" providerId="ADAL" clId="{704FE7C2-8B20-4899-9AA6-D3FE1402E976}" dt="2025-05-05T03:02:54.021" v="38" actId="478"/>
+          <ac:spMkLst>
+            <pc:docMk/>
+            <pc:sldMk cId="2732321782" sldId="306"/>
+            <ac:spMk id="8" creationId="{44D6AA37-BEC1-4370-B5D3-8720598EC8B4}"/>
+          </ac:spMkLst>
+        </pc:spChg>
+      </pc:sldChg>
+      <pc:sldChg chg="modSp new mod">
+        <pc:chgData name="Robert McKnight" userId="d5c7fb24-67df-49c0-a0e8-7fe946ae099c" providerId="ADAL" clId="{704FE7C2-8B20-4899-9AA6-D3FE1402E976}" dt="2025-05-05T01:00:56.238" v="37" actId="20577"/>
+        <pc:sldMkLst>
+          <pc:docMk/>
+          <pc:sldMk cId="3510913273" sldId="390"/>
+        </pc:sldMkLst>
+        <pc:spChg chg="mod">
+          <ac:chgData name="Robert McKnight" userId="d5c7fb24-67df-49c0-a0e8-7fe946ae099c" providerId="ADAL" clId="{704FE7C2-8B20-4899-9AA6-D3FE1402E976}" dt="2025-05-05T00:59:56.677" v="28" actId="20577"/>
+          <ac:spMkLst>
+            <pc:docMk/>
+            <pc:sldMk cId="3510913273" sldId="390"/>
+            <ac:spMk id="2" creationId="{17AE3DA8-F00B-07FA-A623-DE7892F982C7}"/>
+          </ac:spMkLst>
+        </pc:spChg>
+        <pc:spChg chg="mod">
+          <ac:chgData name="Robert McKnight" userId="d5c7fb24-67df-49c0-a0e8-7fe946ae099c" providerId="ADAL" clId="{704FE7C2-8B20-4899-9AA6-D3FE1402E976}" dt="2025-05-05T01:00:56.238" v="37" actId="20577"/>
+          <ac:spMkLst>
+            <pc:docMk/>
+            <pc:sldMk cId="3510913273" sldId="390"/>
+            <ac:spMk id="3" creationId="{A8504334-09B4-CDE1-79F8-7F01D34E9B84}"/>
           </ac:spMkLst>
         </pc:spChg>
       </pc:sldChg>
@@ -3533,7 +3597,7 @@
           <a:p>
             <a:fld id="{6D6D7260-B7E4-B548-BD1F-84ED14536037}" type="datetimeFigureOut">
               <a:rPr lang="en-AU" smtClean="0"/>
-              <a:t>2/09/2024</a:t>
+              <a:t>5/05/2025</a:t>
             </a:fld>
             <a:endParaRPr lang="en-AU"/>
           </a:p>
@@ -4051,7 +4115,7 @@
           <a:p>
             <a:fld id="{88D38747-4367-4BD2-8D51-C97E202738E2}" type="datetime1">
               <a:rPr lang="en-US" smtClean="0"/>
-              <a:t>9/2/2024</a:t>
+              <a:t>5/5/2025</a:t>
             </a:fld>
             <a:endParaRPr lang="en-US" dirty="0"/>
           </a:p>
@@ -4356,7 +4420,7 @@
           <a:p>
             <a:fld id="{11F1B079-7EF0-44EE-B798-BCC497C9F3B2}" type="datetime1">
               <a:rPr lang="en-US" smtClean="0"/>
-              <a:t>9/2/2024</a:t>
+              <a:t>5/5/2025</a:t>
             </a:fld>
             <a:endParaRPr lang="en-US" dirty="0"/>
           </a:p>
@@ -4550,7 +4614,7 @@
           <a:p>
             <a:fld id="{28FF70A8-1D13-4657-95F0-A9EA54967B8D}" type="datetime1">
               <a:rPr lang="en-US" smtClean="0"/>
-              <a:t>9/2/2024</a:t>
+              <a:t>5/5/2025</a:t>
             </a:fld>
             <a:endParaRPr lang="en-US" dirty="0"/>
           </a:p>
@@ -4813,7 +4877,7 @@
           <a:p>
             <a:fld id="{21EB90AC-71BD-4C7F-8ACA-7B3F18292E63}" type="datetime1">
               <a:rPr lang="en-US" smtClean="0"/>
-              <a:t>9/2/2024</a:t>
+              <a:t>5/5/2025</a:t>
             </a:fld>
             <a:endParaRPr lang="en-US" dirty="0"/>
           </a:p>
@@ -5249,7 +5313,7 @@
           <a:p>
             <a:fld id="{4E6EFC2C-8905-46F0-B443-CE905B76BA01}" type="datetime1">
               <a:rPr lang="en-US" smtClean="0"/>
-              <a:t>9/2/2024</a:t>
+              <a:t>5/5/2025</a:t>
             </a:fld>
             <a:endParaRPr lang="en-US" dirty="0"/>
           </a:p>
@@ -5786,7 +5850,7 @@
           <a:p>
             <a:fld id="{D9079DC3-C9B5-499E-9140-0DC28B7074E2}" type="datetime1">
               <a:rPr lang="en-US" smtClean="0"/>
-              <a:t>9/2/2024</a:t>
+              <a:t>5/5/2025</a:t>
             </a:fld>
             <a:endParaRPr lang="en-US" dirty="0"/>
           </a:p>
@@ -6668,7 +6732,7 @@
           <a:p>
             <a:fld id="{30BB33EA-E472-4D22-9C03-A9C14AA21CED}" type="datetime1">
               <a:rPr lang="en-US" smtClean="0"/>
-              <a:t>9/2/2024</a:t>
+              <a:t>5/5/2025</a:t>
             </a:fld>
             <a:endParaRPr lang="en-US" dirty="0"/>
           </a:p>
@@ -6838,7 +6902,7 @@
           <a:p>
             <a:fld id="{217E833E-1B6D-415F-AD29-75AE8C43BD0D}" type="datetime1">
               <a:rPr lang="en-US" smtClean="0"/>
-              <a:t>9/2/2024</a:t>
+              <a:t>5/5/2025</a:t>
             </a:fld>
             <a:endParaRPr lang="en-US" dirty="0"/>
           </a:p>
@@ -7022,7 +7086,7 @@
           <a:p>
             <a:fld id="{8452596F-08A7-4B70-989A-F2B1CF31E66B}" type="datetime1">
               <a:rPr lang="en-US" smtClean="0"/>
-              <a:t>9/2/2024</a:t>
+              <a:t>5/5/2025</a:t>
             </a:fld>
             <a:endParaRPr lang="en-US" dirty="0"/>
           </a:p>
@@ -7192,7 +7256,7 @@
           <a:p>
             <a:fld id="{73C55A3C-5767-4844-A0A3-83778C2E5409}" type="datetime1">
               <a:rPr lang="en-US" smtClean="0"/>
-              <a:t>9/2/2024</a:t>
+              <a:t>5/5/2025</a:t>
             </a:fld>
             <a:endParaRPr lang="en-US" dirty="0"/>
           </a:p>
@@ -7436,7 +7500,7 @@
           <a:p>
             <a:fld id="{CAE507A8-A5CF-4D38-AB86-7EDDA87A85D4}" type="datetime1">
               <a:rPr lang="en-US" smtClean="0"/>
-              <a:t>9/2/2024</a:t>
+              <a:t>5/5/2025</a:t>
             </a:fld>
             <a:endParaRPr lang="en-US" dirty="0"/>
           </a:p>
@@ -7678,7 +7742,7 @@
           <a:p>
             <a:fld id="{BDFCD27C-8599-43EF-BA1D-14DDC1946E06}" type="datetime1">
               <a:rPr lang="en-US" smtClean="0"/>
-              <a:t>9/2/2024</a:t>
+              <a:t>5/5/2025</a:t>
             </a:fld>
             <a:endParaRPr lang="en-US" dirty="0"/>
           </a:p>
@@ -8159,7 +8223,7 @@
           <a:p>
             <a:fld id="{49343D99-809A-49C0-96E5-4250D0B498EE}" type="datetime1">
               <a:rPr lang="en-US" smtClean="0"/>
-              <a:t>9/2/2024</a:t>
+              <a:t>5/5/2025</a:t>
             </a:fld>
             <a:endParaRPr lang="en-US" dirty="0"/>
           </a:p>
@@ -8277,7 +8341,7 @@
           <a:p>
             <a:fld id="{A143DE9B-B678-4EFB-BB7D-A4370204A0B0}" type="datetime1">
               <a:rPr lang="en-US" smtClean="0"/>
-              <a:t>9/2/2024</a:t>
+              <a:t>5/5/2025</a:t>
             </a:fld>
             <a:endParaRPr lang="en-US" dirty="0"/>
           </a:p>
@@ -8372,7 +8436,7 @@
           <a:p>
             <a:fld id="{E68812DA-F765-4142-A6A3-A8ED7235E082}" type="datetime1">
               <a:rPr lang="en-US" smtClean="0"/>
-              <a:t>9/2/2024</a:t>
+              <a:t>5/5/2025</a:t>
             </a:fld>
             <a:endParaRPr lang="en-US" dirty="0"/>
           </a:p>
@@ -8627,7 +8691,7 @@
           <a:p>
             <a:fld id="{3E0277FD-7DE6-41D4-930D-AC99F5AFE54E}" type="datetime1">
               <a:rPr lang="en-US" smtClean="0"/>
-              <a:t>9/2/2024</a:t>
+              <a:t>5/5/2025</a:t>
             </a:fld>
             <a:endParaRPr lang="en-US" dirty="0"/>
           </a:p>
@@ -8934,7 +8998,7 @@
           <a:p>
             <a:fld id="{9EA15526-7079-4B7B-987C-1B5FAE11A0FF}" type="datetime1">
               <a:rPr lang="en-US" smtClean="0"/>
-              <a:t>9/2/2024</a:t>
+              <a:t>5/5/2025</a:t>
             </a:fld>
             <a:endParaRPr lang="en-US" dirty="0"/>
           </a:p>
@@ -9169,7 +9233,7 @@
           <a:p>
             <a:fld id="{073ED0CC-082F-4160-86E5-0D6041F12778}" type="datetime1">
               <a:rPr lang="en-US" smtClean="0"/>
-              <a:t>9/2/2024</a:t>
+              <a:t>5/5/2025</a:t>
             </a:fld>
             <a:endParaRPr lang="en-US" dirty="0"/>
           </a:p>
@@ -10529,38 +10593,6 @@
               <a:t>Federation – a division of power</a:t>
             </a:r>
             <a:endParaRPr lang="en-AU" sz="2400"/>
-          </a:p>
-        </p:txBody>
-      </p:sp>
-      <p:sp>
-        <p:nvSpPr>
-          <p:cNvPr id="8" name="Content Placeholder 7">
-            <a:extLst>
-              <a:ext uri="{FF2B5EF4-FFF2-40B4-BE49-F238E27FC236}">
-                <a16:creationId xmlns:a16="http://schemas.microsoft.com/office/drawing/2014/main" id="{44D6AA37-BEC1-4370-B5D3-8720598EC8B4}"/>
-              </a:ext>
-            </a:extLst>
-          </p:cNvPr>
-          <p:cNvSpPr>
-            <a:spLocks noGrp="1"/>
-          </p:cNvSpPr>
-          <p:nvPr>
-            <p:ph idx="1"/>
-          </p:nvPr>
-        </p:nvSpPr>
-        <p:spPr>
-          <a:xfrm>
-            <a:off x="1039905" y="2147862"/>
-            <a:ext cx="3405573" cy="3499563"/>
-          </a:xfrm>
-        </p:spPr>
-        <p:txBody>
-          <a:bodyPr anchor="t">
-            <a:normAutofit/>
-          </a:bodyPr>
-          <a:lstStyle/>
-          <a:p>
-            <a:endParaRPr lang="en-US" sz="1600"/>
           </a:p>
         </p:txBody>
       </p:sp>
@@ -16064,7 +16096,7 @@
           <a:p>
             <a:r>
               <a:rPr lang="en-AU" i="1" dirty="0"/>
-              <a:t>Cybercrime Legislation Amendment Act 2011</a:t>
+              <a:t>Budapest Convention on Cybercrime 2001</a:t>
             </a:r>
             <a:endParaRPr lang="en-AU" dirty="0"/>
           </a:p>
@@ -16086,12 +16118,7 @@
             <p:ph idx="1"/>
           </p:nvPr>
         </p:nvSpPr>
-        <p:spPr>
-          <a:xfrm>
-            <a:off x="913795" y="2076450"/>
-            <a:ext cx="10353762" cy="4171950"/>
-          </a:xfrm>
-        </p:spPr>
+        <p:spPr/>
         <p:txBody>
           <a:bodyPr>
             <a:normAutofit/>
@@ -16100,29 +16127,20 @@
           <a:p>
             <a:r>
               <a:rPr lang="en-AU" dirty="0"/>
-              <a:t>Enabled Australia to ratify the European Convention on Cybercrime</a:t>
+              <a:t>Created by the Council of Europe with active participation of observer states including the US, Canada and Japan</a:t>
             </a:r>
           </a:p>
           <a:p>
             <a:r>
               <a:rPr lang="en-AU" dirty="0"/>
-              <a:t>Amends Telecommunications Act 1997 and Telecommunications (Interception and Access) Act 1979, Mutual Assistance in Criminal Matters Act 1987, Criminal Code Act 1995 </a:t>
+              <a:t>International treaty harmonising national laws on cybercrime</a:t>
             </a:r>
           </a:p>
           <a:p>
             <a:r>
               <a:rPr lang="en-AU" dirty="0"/>
-              <a:t>Requires carriers and carriage services providers to preserve stored communications for domestic agencies and the AFP on behalf of foreign governments</a:t>
-            </a:r>
-          </a:p>
-          <a:p>
-            <a:r>
-              <a:rPr lang="en-AU" dirty="0"/>
-              <a:t>Criminal Code Act 1995 to provide that computer offences are consistent with the convention; and Telecommunications (Interception and Access) Act 1979 to: create confidentiality requirements in relation to authorisations to disclose telecommunications data; and expand offence provisions</a:t>
-            </a:r>
-          </a:p>
-          <a:p>
-            <a:endParaRPr lang="en-AU" dirty="0"/>
+              <a:t>Defines illegal access, illegal interception, data interference, system interference, misuse of devices, computer-related forgery, offences related to child pornography and offences related to copyright</a:t>
+            </a:r>
           </a:p>
           <a:p>
             <a:endParaRPr lang="en-AU" dirty="0"/>
@@ -16146,7 +16164,7 @@
     </p:spTree>
     <p:extLst>
       <p:ext uri="{BB962C8B-B14F-4D97-AF65-F5344CB8AC3E}">
-        <p14:creationId xmlns:p14="http://schemas.microsoft.com/office/powerpoint/2010/main" val="539285603"/>
+        <p14:creationId xmlns:p14="http://schemas.microsoft.com/office/powerpoint/2010/main" val="963198323"/>
       </p:ext>
     </p:extLst>
   </p:cSld>
@@ -16196,7 +16214,7 @@
           <a:p>
             <a:r>
               <a:rPr lang="en-AU" i="1" dirty="0"/>
-              <a:t>Budapest Convention on Cybercrime 2001</a:t>
+              <a:t>Cybercrime Legislation Amendment Act 2011</a:t>
             </a:r>
             <a:endParaRPr lang="en-AU" dirty="0"/>
           </a:p>
@@ -16218,7 +16236,12 @@
             <p:ph idx="1"/>
           </p:nvPr>
         </p:nvSpPr>
-        <p:spPr/>
+        <p:spPr>
+          <a:xfrm>
+            <a:off x="913795" y="2076450"/>
+            <a:ext cx="10353762" cy="4171950"/>
+          </a:xfrm>
+        </p:spPr>
         <p:txBody>
           <a:bodyPr>
             <a:normAutofit/>
@@ -16227,20 +16250,29 @@
           <a:p>
             <a:r>
               <a:rPr lang="en-AU" dirty="0"/>
-              <a:t>Created by the Council of Europe with active participation of observer states including the US, Canada and Japan</a:t>
+              <a:t>Enabled Australia to ratify the European Convention on Cybercrime</a:t>
             </a:r>
           </a:p>
           <a:p>
             <a:r>
               <a:rPr lang="en-AU" dirty="0"/>
-              <a:t>International treaty harmonising national laws on cybercrime</a:t>
+              <a:t>Amends Telecommunications Act 1997 and Telecommunications (Interception and Access) Act 1979, Mutual Assistance in Criminal Matters Act 1987, Criminal Code Act 1995 </a:t>
             </a:r>
           </a:p>
           <a:p>
             <a:r>
               <a:rPr lang="en-AU" dirty="0"/>
-              <a:t>Defines illegal access, illegal interception, data interference, system interference, misuse of devices, computer-related forgery, offences related to child pornography and offences related to copyright</a:t>
-            </a:r>
+              <a:t>Requires carriers and carriage services providers to preserve stored communications for domestic agencies and the AFP on behalf of foreign governments</a:t>
+            </a:r>
+          </a:p>
+          <a:p>
+            <a:r>
+              <a:rPr lang="en-AU" dirty="0"/>
+              <a:t>Criminal Code Act 1995 to provide that computer offences are consistent with the convention; and Telecommunications (Interception and Access) Act 1979 to: create confidentiality requirements in relation to authorisations to disclose telecommunications data; and expand offence provisions</a:t>
+            </a:r>
+          </a:p>
+          <a:p>
+            <a:endParaRPr lang="en-AU" dirty="0"/>
           </a:p>
           <a:p>
             <a:endParaRPr lang="en-AU" dirty="0"/>
@@ -16264,7 +16296,7 @@
     </p:spTree>
     <p:extLst>
       <p:ext uri="{BB962C8B-B14F-4D97-AF65-F5344CB8AC3E}">
-        <p14:creationId xmlns:p14="http://schemas.microsoft.com/office/powerpoint/2010/main" val="963198323"/>
+        <p14:creationId xmlns:p14="http://schemas.microsoft.com/office/powerpoint/2010/main" val="539285603"/>
       </p:ext>
     </p:extLst>
   </p:cSld>
@@ -18170,7 +18202,7 @@
           <p:cNvPr id="2" name="Title 1">
             <a:extLst>
               <a:ext uri="{FF2B5EF4-FFF2-40B4-BE49-F238E27FC236}">
-                <a16:creationId xmlns:a16="http://schemas.microsoft.com/office/drawing/2014/main" id="{07F6FF8C-A74B-E640-AF2F-9B4E07A213CF}"/>
+                <a16:creationId xmlns:a16="http://schemas.microsoft.com/office/drawing/2014/main" id="{17AE3DA8-F00B-07FA-A623-DE7892F982C7}"/>
               </a:ext>
             </a:extLst>
           </p:cNvPr>
@@ -18188,7 +18220,7 @@
           <a:p>
             <a:r>
               <a:rPr lang="en-AU" dirty="0"/>
-              <a:t>Privacy</a:t>
+              <a:t>Cybersecurity Act 2024</a:t>
             </a:r>
           </a:p>
         </p:txBody>
@@ -18198,7 +18230,7 @@
           <p:cNvPr id="3" name="Content Placeholder 2">
             <a:extLst>
               <a:ext uri="{FF2B5EF4-FFF2-40B4-BE49-F238E27FC236}">
-                <a16:creationId xmlns:a16="http://schemas.microsoft.com/office/drawing/2014/main" id="{C29FA815-F1A1-E848-8BE0-A481039CE411}"/>
+                <a16:creationId xmlns:a16="http://schemas.microsoft.com/office/drawing/2014/main" id="{A8504334-09B4-CDE1-79F8-7F01D34E9B84}"/>
               </a:ext>
             </a:extLst>
           </p:cNvPr>
@@ -18209,95 +18241,59 @@
             <p:ph idx="1"/>
           </p:nvPr>
         </p:nvSpPr>
-        <p:spPr>
-          <a:xfrm>
-            <a:off x="1100407" y="2822899"/>
-            <a:ext cx="10353762" cy="2532872"/>
-          </a:xfrm>
-        </p:spPr>
+        <p:spPr/>
         <p:txBody>
-          <a:bodyPr anchor="t">
-            <a:normAutofit/>
-          </a:bodyPr>
+          <a:bodyPr/>
           <a:lstStyle/>
           <a:p>
-            <a:pPr marL="36900" indent="0">
-              <a:buNone/>
+            <a:pPr>
+              <a:buFont typeface="Arial" panose="020B0604020202020204" pitchFamily="34" charset="0"/>
+              <a:buChar char="•"/>
             </a:pPr>
             <a:r>
-              <a:rPr lang="en-AU" dirty="0">
-                <a:effectLst/>
-              </a:rPr>
-              <a:t>“although Australia has enacted a </a:t>
-            </a:r>
-            <a:r>
-              <a:rPr lang="en-AU" i="1" dirty="0">
-                <a:effectLst/>
-              </a:rPr>
-              <a:t>Privacy Act 1988 </a:t>
-            </a:r>
-            <a:r>
-              <a:rPr lang="en-AU" dirty="0">
-                <a:effectLst/>
-              </a:rPr>
-              <a:t>(</a:t>
-            </a:r>
-            <a:r>
-              <a:rPr lang="en-AU" dirty="0" err="1">
-                <a:effectLst/>
-              </a:rPr>
-              <a:t>Cth</a:t>
-            </a:r>
-            <a:r>
-              <a:rPr lang="en-AU" dirty="0">
-                <a:effectLst/>
-              </a:rPr>
-              <a:t>), neither the Australian Constitution nor the common law of Australia recognises a specific right to privacy. Instead, the common law mainly protects privacy through the requirement that, absent consent, there must be a legal basis for interference with personal property.”</a:t>
-            </a:r>
-          </a:p>
-          <a:p>
-            <a:pPr marL="450000" lvl="1" indent="0">
-              <a:buNone/>
+              <a:rPr lang="en-AU" dirty="0"/>
+              <a:t>Mandate minimum cyber security standards for smart devices</a:t>
+            </a:r>
+          </a:p>
+          <a:p>
+            <a:pPr>
+              <a:buFont typeface="Arial" panose="020B0604020202020204" pitchFamily="34" charset="0"/>
+              <a:buChar char="•"/>
             </a:pPr>
             <a:r>
-              <a:rPr lang="en-AU" dirty="0">
-                <a:effectLst/>
-              </a:rPr>
-              <a:t>Dr James Renwick 2020 Independent National Security Legislation Monitor report </a:t>
+              <a:rPr lang="en-AU" dirty="0"/>
+              <a:t>Introduce a mandatory ransomware and cyber extortion reporting obligation for certain businesses to report ransom payments</a:t>
+            </a:r>
+          </a:p>
+          <a:p>
+            <a:pPr>
+              <a:buFont typeface="Arial" panose="020B0604020202020204" pitchFamily="34" charset="0"/>
+              <a:buChar char="•"/>
+            </a:pPr>
+            <a:r>
+              <a:rPr lang="en-AU" dirty="0"/>
+              <a:t>Introduce a Limited Use obligation for the National Cyber Security Coordinator to encourage industry engagement with the government following cyber incidents</a:t>
+            </a:r>
+          </a:p>
+          <a:p>
+            <a:pPr>
+              <a:buFont typeface="Arial" panose="020B0604020202020204" pitchFamily="34" charset="0"/>
+              <a:buChar char="•"/>
+            </a:pPr>
+            <a:r>
+              <a:rPr lang="en-AU" dirty="0"/>
+              <a:t>Establish a Cyber Incident Review Board to conduct reviews of significant cyber incidents and share lessons learned</a:t>
             </a:r>
           </a:p>
           <a:p>
             <a:endParaRPr lang="en-AU" dirty="0"/>
-          </a:p>
-          <a:p>
-            <a:endParaRPr lang="en-AU" dirty="0"/>
-          </a:p>
-          <a:p>
-            <a:endParaRPr lang="en-AU" dirty="0"/>
-          </a:p>
-          <a:p>
-            <a:endParaRPr lang="en-AU" dirty="0"/>
-          </a:p>
-          <a:p>
-            <a:endParaRPr lang="en-US" dirty="0"/>
-          </a:p>
-          <a:p>
-            <a:pPr marL="36900" indent="0">
-              <a:buNone/>
-            </a:pPr>
-            <a:endParaRPr lang="en-AU" dirty="0">
-              <a:effectLst/>
-            </a:endParaRPr>
-          </a:p>
-          <a:p>
-            <a:endParaRPr lang="en-AU" sz="2000" dirty="0"/>
           </a:p>
         </p:txBody>
       </p:sp>
     </p:spTree>
     <p:extLst>
       <p:ext uri="{BB962C8B-B14F-4D97-AF65-F5344CB8AC3E}">
-        <p14:creationId xmlns:p14="http://schemas.microsoft.com/office/powerpoint/2010/main" val="4269259995"/>
+        <p14:creationId xmlns:p14="http://schemas.microsoft.com/office/powerpoint/2010/main" val="3510913273"/>
       </p:ext>
     </p:extLst>
   </p:cSld>
@@ -18347,15 +18343,7 @@
           <a:p>
             <a:r>
               <a:rPr lang="en-AU" dirty="0"/>
-              <a:t>Privacy Act 1988 (</a:t>
-            </a:r>
-            <a:r>
-              <a:rPr lang="en-AU" dirty="0" err="1"/>
-              <a:t>Cth</a:t>
-            </a:r>
-            <a:r>
-              <a:rPr lang="en-AU" dirty="0"/>
-              <a:t>)</a:t>
+              <a:t>Privacy</a:t>
             </a:r>
           </a:p>
         </p:txBody>
@@ -18378,88 +18366,66 @@
         </p:nvSpPr>
         <p:spPr>
           <a:xfrm>
-            <a:off x="913795" y="2076450"/>
-            <a:ext cx="10353762" cy="4352342"/>
+            <a:off x="1100407" y="2822899"/>
+            <a:ext cx="10353762" cy="2532872"/>
           </a:xfrm>
         </p:spPr>
         <p:txBody>
-          <a:bodyPr>
-            <a:normAutofit fontScale="85000" lnSpcReduction="20000"/>
+          <a:bodyPr anchor="t">
+            <a:normAutofit/>
           </a:bodyPr>
           <a:lstStyle/>
           <a:p>
-            <a:r>
-              <a:rPr lang="en-AU" dirty="0"/>
-              <a:t>Specified 13 Australian Privacy Principles (APP) which details principles that APP entities *should* implement </a:t>
-            </a:r>
-          </a:p>
-          <a:p>
-            <a:r>
-              <a:rPr lang="en-AU" dirty="0"/>
-              <a:t>Covers the handling of personal information and sensitive information</a:t>
-            </a:r>
-          </a:p>
-          <a:p>
-            <a:pPr lvl="1"/>
-            <a:r>
-              <a:rPr lang="en-AU" dirty="0"/>
-              <a:t>Sensitive information includes: race, ethnicity, political opinions, religion, sexual orientation, health information, criminal record, genetics and biometrics</a:t>
-            </a:r>
-          </a:p>
-          <a:p>
-            <a:r>
-              <a:rPr lang="en-AU" dirty="0"/>
-              <a:t>APP include: </a:t>
-            </a:r>
-          </a:p>
-          <a:p>
-            <a:pPr lvl="1"/>
-            <a:r>
-              <a:rPr lang="en-AU" dirty="0"/>
-              <a:t>Open and transparent management of personal information</a:t>
-            </a:r>
-          </a:p>
-          <a:p>
-            <a:pPr lvl="1"/>
-            <a:r>
-              <a:rPr lang="en-AU" dirty="0"/>
-              <a:t>Anonymity and pseudonymity</a:t>
-            </a:r>
-          </a:p>
-          <a:p>
-            <a:pPr lvl="1"/>
-            <a:r>
-              <a:rPr lang="en-AU" dirty="0"/>
-              <a:t>Notification of what information is collected and what use it is put to</a:t>
-            </a:r>
-          </a:p>
-          <a:p>
-            <a:pPr lvl="1"/>
-            <a:r>
-              <a:rPr lang="en-AU" dirty="0"/>
-              <a:t>Obtain consent for marketing </a:t>
-            </a:r>
-          </a:p>
-          <a:p>
-            <a:pPr lvl="1"/>
-            <a:r>
-              <a:rPr lang="en-AU" dirty="0"/>
-              <a:t>Ensure quality of data collected</a:t>
-            </a:r>
-          </a:p>
-          <a:p>
-            <a:pPr lvl="1"/>
-            <a:r>
-              <a:rPr lang="en-AU" dirty="0"/>
-              <a:t>Provides access to information and correction of errors</a:t>
-            </a:r>
-          </a:p>
-          <a:p>
-            <a:pPr lvl="1"/>
-            <a:r>
-              <a:rPr lang="en-AU" dirty="0"/>
-              <a:t>Secures the information </a:t>
-            </a:r>
+            <a:pPr marL="36900" indent="0">
+              <a:buNone/>
+            </a:pPr>
+            <a:r>
+              <a:rPr lang="en-AU" dirty="0">
+                <a:effectLst/>
+              </a:rPr>
+              <a:t>“although Australia has enacted a </a:t>
+            </a:r>
+            <a:r>
+              <a:rPr lang="en-AU" i="1" dirty="0">
+                <a:effectLst/>
+              </a:rPr>
+              <a:t>Privacy Act 1988 </a:t>
+            </a:r>
+            <a:r>
+              <a:rPr lang="en-AU" dirty="0">
+                <a:effectLst/>
+              </a:rPr>
+              <a:t>(</a:t>
+            </a:r>
+            <a:r>
+              <a:rPr lang="en-AU" dirty="0" err="1">
+                <a:effectLst/>
+              </a:rPr>
+              <a:t>Cth</a:t>
+            </a:r>
+            <a:r>
+              <a:rPr lang="en-AU" dirty="0">
+                <a:effectLst/>
+              </a:rPr>
+              <a:t>), neither the Australian Constitution nor the common law of Australia recognises a specific right to privacy. Instead, the common law mainly protects privacy through the requirement that, absent consent, there must be a legal basis for interference with personal property.”</a:t>
+            </a:r>
+          </a:p>
+          <a:p>
+            <a:pPr marL="450000" lvl="1" indent="0">
+              <a:buNone/>
+            </a:pPr>
+            <a:r>
+              <a:rPr lang="en-AU" dirty="0">
+                <a:effectLst/>
+              </a:rPr>
+              <a:t>Dr James Renwick 2020 Independent National Security Legislation Monitor report </a:t>
+            </a:r>
+          </a:p>
+          <a:p>
+            <a:endParaRPr lang="en-AU" dirty="0"/>
+          </a:p>
+          <a:p>
+            <a:endParaRPr lang="en-AU" dirty="0"/>
           </a:p>
           <a:p>
             <a:endParaRPr lang="en-AU" dirty="0"/>
@@ -18486,7 +18452,7 @@
     </p:spTree>
     <p:extLst>
       <p:ext uri="{BB962C8B-B14F-4D97-AF65-F5344CB8AC3E}">
-        <p14:creationId xmlns:p14="http://schemas.microsoft.com/office/powerpoint/2010/main" val="2870369768"/>
+        <p14:creationId xmlns:p14="http://schemas.microsoft.com/office/powerpoint/2010/main" val="4269259995"/>
       </p:ext>
     </p:extLst>
   </p:cSld>
@@ -18573,35 +18539,82 @@
         </p:spPr>
         <p:txBody>
           <a:bodyPr>
-            <a:normAutofit/>
+            <a:normAutofit fontScale="85000" lnSpcReduction="20000"/>
           </a:bodyPr>
           <a:lstStyle/>
           <a:p>
             <a:r>
               <a:rPr lang="en-AU" dirty="0"/>
-              <a:t>Penalties for breaching the Privacy Act are up to $1.8 million for corporate bodies</a:t>
+              <a:t>Specified 13 Australian Privacy Principles (APP) which details principles that APP entities *should* implement </a:t>
             </a:r>
           </a:p>
           <a:p>
             <a:r>
               <a:rPr lang="en-AU" dirty="0"/>
-              <a:t>Mandatory breach notification to the Australian Information Commissioner</a:t>
-            </a:r>
-          </a:p>
-          <a:p>
+              <a:t>Covers the handling of personal information and sensitive information</a:t>
+            </a:r>
+          </a:p>
+          <a:p>
+            <a:pPr lvl="1"/>
             <a:r>
               <a:rPr lang="en-AU" dirty="0"/>
-              <a:t>Employee information is exempt from the act</a:t>
+              <a:t>Sensitive information includes: race, ethnicity, political opinions, religion, sexual orientation, health information, criminal record, genetics and biometrics</a:t>
             </a:r>
           </a:p>
           <a:p>
             <a:r>
               <a:rPr lang="en-AU" dirty="0"/>
-              <a:t>APP entities exclude small businesses (other than ones related to health), universities, state authorities</a:t>
-            </a:r>
-          </a:p>
-          <a:p>
-            <a:endParaRPr lang="en-AU" dirty="0"/>
+              <a:t>APP include: </a:t>
+            </a:r>
+          </a:p>
+          <a:p>
+            <a:pPr lvl="1"/>
+            <a:r>
+              <a:rPr lang="en-AU" dirty="0"/>
+              <a:t>Open and transparent management of personal information</a:t>
+            </a:r>
+          </a:p>
+          <a:p>
+            <a:pPr lvl="1"/>
+            <a:r>
+              <a:rPr lang="en-AU" dirty="0"/>
+              <a:t>Anonymity and pseudonymity</a:t>
+            </a:r>
+          </a:p>
+          <a:p>
+            <a:pPr lvl="1"/>
+            <a:r>
+              <a:rPr lang="en-AU" dirty="0"/>
+              <a:t>Notification of what information is collected and what use it is put to</a:t>
+            </a:r>
+          </a:p>
+          <a:p>
+            <a:pPr lvl="1"/>
+            <a:r>
+              <a:rPr lang="en-AU" dirty="0"/>
+              <a:t>Obtain consent for marketing </a:t>
+            </a:r>
+          </a:p>
+          <a:p>
+            <a:pPr lvl="1"/>
+            <a:r>
+              <a:rPr lang="en-AU" dirty="0"/>
+              <a:t>Ensure quality of data collected</a:t>
+            </a:r>
+          </a:p>
+          <a:p>
+            <a:pPr lvl="1"/>
+            <a:r>
+              <a:rPr lang="en-AU" dirty="0"/>
+              <a:t>Provides access to information and correction of errors</a:t>
+            </a:r>
+          </a:p>
+          <a:p>
+            <a:pPr lvl="1"/>
+            <a:r>
+              <a:rPr lang="en-AU" dirty="0"/>
+              <a:t>Secures the information </a:t>
+            </a:r>
           </a:p>
           <a:p>
             <a:endParaRPr lang="en-AU" dirty="0"/>
@@ -18628,7 +18641,7 @@
     </p:spTree>
     <p:extLst>
       <p:ext uri="{BB962C8B-B14F-4D97-AF65-F5344CB8AC3E}">
-        <p14:creationId xmlns:p14="http://schemas.microsoft.com/office/powerpoint/2010/main" val="2130746743"/>
+        <p14:creationId xmlns:p14="http://schemas.microsoft.com/office/powerpoint/2010/main" val="2870369768"/>
       </p:ext>
     </p:extLst>
   </p:cSld>
@@ -18678,7 +18691,15 @@
           <a:p>
             <a:r>
               <a:rPr lang="en-AU" dirty="0"/>
-              <a:t>European GDPR</a:t>
+              <a:t>Privacy Act 1988 (</a:t>
+            </a:r>
+            <a:r>
+              <a:rPr lang="en-AU" dirty="0" err="1"/>
+              <a:t>Cth</a:t>
+            </a:r>
+            <a:r>
+              <a:rPr lang="en-AU" dirty="0"/>
+              <a:t>)</a:t>
             </a:r>
           </a:p>
         </p:txBody>
@@ -18707,81 +18728,35 @@
         </p:spPr>
         <p:txBody>
           <a:bodyPr>
-            <a:normAutofit fontScale="92500" lnSpcReduction="20000"/>
+            <a:normAutofit/>
           </a:bodyPr>
           <a:lstStyle/>
           <a:p>
             <a:r>
               <a:rPr lang="en-AU" dirty="0"/>
-              <a:t>General Data Protection Regulation introduced in 2018 by the EU</a:t>
+              <a:t>Penalties for breaching the Privacy Act are up to $1.8 million for corporate bodies</a:t>
             </a:r>
           </a:p>
           <a:p>
             <a:r>
               <a:rPr lang="en-AU" dirty="0"/>
-              <a:t>Gold standard for data protection – although there are issues with compliance and policing</a:t>
+              <a:t>Mandatory breach notification to the Australian Information Commissioner</a:t>
             </a:r>
           </a:p>
           <a:p>
             <a:r>
               <a:rPr lang="en-AU" dirty="0"/>
-              <a:t>Applies to all organisations collecting data from any European citizen whether they are based in Europe or not</a:t>
-            </a:r>
-          </a:p>
-          <a:p>
-            <a:pPr lvl="1"/>
+              <a:t>Employee information is exempt from the act</a:t>
+            </a:r>
+          </a:p>
+          <a:p>
             <a:r>
               <a:rPr lang="en-AU" dirty="0"/>
-              <a:t>Must obtain consent to collect information</a:t>
-            </a:r>
-          </a:p>
-          <a:p>
-            <a:pPr lvl="1"/>
-            <a:r>
-              <a:rPr lang="en-AU" dirty="0"/>
-              <a:t>Provide timely breach notification</a:t>
-            </a:r>
-          </a:p>
-          <a:p>
-            <a:pPr lvl="1"/>
-            <a:r>
-              <a:rPr lang="en-AU" dirty="0"/>
-              <a:t>Provide users with access to their data</a:t>
-            </a:r>
-          </a:p>
-          <a:p>
-            <a:pPr lvl="1"/>
-            <a:r>
-              <a:rPr lang="en-AU" dirty="0"/>
-              <a:t>Right to be forgotten – remove any data relating to an individual</a:t>
-            </a:r>
-          </a:p>
-          <a:p>
-            <a:pPr lvl="1"/>
-            <a:r>
-              <a:rPr lang="en-AU" dirty="0"/>
-              <a:t>Data portability – provide data in a format that could be migrated to other services</a:t>
-            </a:r>
-          </a:p>
-          <a:p>
-            <a:pPr lvl="1"/>
-            <a:r>
-              <a:rPr lang="en-AU" dirty="0"/>
-              <a:t>Privacy by design</a:t>
-            </a:r>
-          </a:p>
-          <a:p>
-            <a:pPr lvl="1"/>
-            <a:r>
-              <a:rPr lang="en-AU" dirty="0"/>
-              <a:t>Have data protection officers</a:t>
-            </a:r>
-          </a:p>
-          <a:p>
-            <a:r>
-              <a:rPr lang="en-AU" dirty="0"/>
-              <a:t>Penalties can be 4% of global revenue</a:t>
-            </a:r>
+              <a:t>APP entities exclude small businesses (other than ones related to health), universities, state authorities</a:t>
+            </a:r>
+          </a:p>
+          <a:p>
+            <a:endParaRPr lang="en-AU" dirty="0"/>
           </a:p>
           <a:p>
             <a:endParaRPr lang="en-AU" dirty="0"/>
@@ -18808,7 +18783,7 @@
     </p:spTree>
     <p:extLst>
       <p:ext uri="{BB962C8B-B14F-4D97-AF65-F5344CB8AC3E}">
-        <p14:creationId xmlns:p14="http://schemas.microsoft.com/office/powerpoint/2010/main" val="80985636"/>
+        <p14:creationId xmlns:p14="http://schemas.microsoft.com/office/powerpoint/2010/main" val="2130746743"/>
       </p:ext>
     </p:extLst>
   </p:cSld>
@@ -18858,7 +18833,7 @@
           <a:p>
             <a:r>
               <a:rPr lang="en-AU" dirty="0"/>
-              <a:t>Tallinn Manual 2</a:t>
+              <a:t>European GDPR</a:t>
             </a:r>
           </a:p>
         </p:txBody>
@@ -18887,66 +18862,81 @@
         </p:spPr>
         <p:txBody>
           <a:bodyPr>
-            <a:normAutofit lnSpcReduction="10000"/>
+            <a:normAutofit fontScale="92500" lnSpcReduction="20000"/>
           </a:bodyPr>
           <a:lstStyle/>
           <a:p>
             <a:r>
               <a:rPr lang="en-AU" dirty="0"/>
-              <a:t>A manual by independent experts that examines the international laws of:</a:t>
+              <a:t>General Data Protection Regulation introduced in 2018 by the EU</a:t>
+            </a:r>
+          </a:p>
+          <a:p>
+            <a:r>
+              <a:rPr lang="en-AU" dirty="0"/>
+              <a:t>Gold standard for data protection – although there are issues with compliance and policing</a:t>
+            </a:r>
+          </a:p>
+          <a:p>
+            <a:r>
+              <a:rPr lang="en-AU" dirty="0"/>
+              <a:t>Applies to all organisations collecting data from any European citizen whether they are based in Europe or not</a:t>
             </a:r>
           </a:p>
           <a:p>
             <a:pPr lvl="1"/>
             <a:r>
               <a:rPr lang="en-AU" dirty="0"/>
-              <a:t>The grounds for going to cyberwar (jus ad bellum)</a:t>
+              <a:t>Must obtain consent to collect information</a:t>
             </a:r>
           </a:p>
           <a:p>
             <a:pPr lvl="1"/>
             <a:r>
               <a:rPr lang="en-AU" dirty="0"/>
-              <a:t>The law of how this cyberwar should be conducted (jus in bello)</a:t>
-            </a:r>
-          </a:p>
-          <a:p>
+              <a:t>Provide timely breach notification</a:t>
+            </a:r>
+          </a:p>
+          <a:p>
+            <a:pPr lvl="1"/>
             <a:r>
               <a:rPr lang="en-AU" dirty="0"/>
-              <a:t>Part 1 concerns itself about sovereignty </a:t>
-            </a:r>
-          </a:p>
-          <a:p>
-            <a:endParaRPr lang="en-AU" dirty="0"/>
-          </a:p>
-          <a:p>
+              <a:t>Provide users with access to their data</a:t>
+            </a:r>
+          </a:p>
+          <a:p>
+            <a:pPr lvl="1"/>
             <a:r>
               <a:rPr lang="en-AU" dirty="0"/>
-              <a:t>Establishes a threshold of injury, death or destruction when a state has the right to defend itself</a:t>
+              <a:t>Right to be forgotten – remove any data relating to an individual</a:t>
             </a:r>
           </a:p>
           <a:p>
             <a:pPr lvl="1"/>
             <a:r>
               <a:rPr lang="en-AU" dirty="0"/>
-              <a:t>Counterforce needs to be proportional in scale and effect</a:t>
-            </a:r>
-          </a:p>
-          <a:p>
+              <a:t>Data portability – provide data in a format that could be migrated to other services</a:t>
+            </a:r>
+          </a:p>
+          <a:p>
+            <a:pPr lvl="1"/>
             <a:r>
               <a:rPr lang="en-AU" dirty="0"/>
-              <a:t>Problems with judging necessity, intent, damage and proportionality</a:t>
-            </a:r>
-          </a:p>
-          <a:p>
+              <a:t>Privacy by design</a:t>
+            </a:r>
+          </a:p>
+          <a:p>
+            <a:pPr lvl="1"/>
             <a:r>
               <a:rPr lang="en-AU" dirty="0"/>
-              <a:t>The manual was never supposed to be prescriptive</a:t>
-            </a:r>
-          </a:p>
-          <a:p>
-            <a:pPr lvl="1"/>
-            <a:endParaRPr lang="en-AU" dirty="0"/>
+              <a:t>Have data protection officers</a:t>
+            </a:r>
+          </a:p>
+          <a:p>
+            <a:r>
+              <a:rPr lang="en-AU" dirty="0"/>
+              <a:t>Penalties can be 4% of global revenue</a:t>
+            </a:r>
           </a:p>
           <a:p>
             <a:endParaRPr lang="en-AU" dirty="0"/>
@@ -18973,7 +18963,7 @@
     </p:spTree>
     <p:extLst>
       <p:ext uri="{BB962C8B-B14F-4D97-AF65-F5344CB8AC3E}">
-        <p14:creationId xmlns:p14="http://schemas.microsoft.com/office/powerpoint/2010/main" val="2937359678"/>
+        <p14:creationId xmlns:p14="http://schemas.microsoft.com/office/powerpoint/2010/main" val="80985636"/>
       </p:ext>
     </p:extLst>
   </p:cSld>
@@ -19023,7 +19013,7 @@
           <a:p>
             <a:r>
               <a:rPr lang="en-AU" dirty="0"/>
-              <a:t>Cyber warfare case study: Israel’s attack on Hamas Cyber HQ 2019</a:t>
+              <a:t>Tallinn Manual 2</a:t>
             </a:r>
           </a:p>
         </p:txBody>
@@ -19058,39 +19048,55 @@
           <a:p>
             <a:r>
               <a:rPr lang="en-AU" dirty="0"/>
-              <a:t>During a period of conflict between Hamas, a Palestinian group, Israel claimed that they had come under cyber attack that would have harmed “the quality of life of Israeli citizens”.</a:t>
-            </a:r>
-          </a:p>
-          <a:p>
+              <a:t>A manual by independent experts that examines the international laws of:</a:t>
+            </a:r>
+          </a:p>
+          <a:p>
+            <a:pPr lvl="1"/>
             <a:r>
               <a:rPr lang="en-AU" dirty="0"/>
-              <a:t>They responded by blowing up the building they claimed was being used by Hamas’ Cyber Operations group</a:t>
-            </a:r>
-          </a:p>
-          <a:p>
+              <a:t>The grounds for going to cyberwar (jus ad bellum)</a:t>
+            </a:r>
+          </a:p>
+          <a:p>
+            <a:pPr lvl="1"/>
             <a:r>
               <a:rPr lang="en-AU" dirty="0"/>
-              <a:t>It was not known whether there had been any casualties and/or deaths as a result</a:t>
+              <a:t>The law of how this cyberwar should be conducted (jus in bello)</a:t>
             </a:r>
           </a:p>
           <a:p>
             <a:r>
               <a:rPr lang="en-AU" dirty="0"/>
-              <a:t>The legal legitimacy and consequences of the action have been strongly debated</a:t>
+              <a:t>Part 1 concerns itself about sovereignty </a:t>
+            </a:r>
+          </a:p>
+          <a:p>
+            <a:endParaRPr lang="en-AU" dirty="0"/>
+          </a:p>
+          <a:p>
+            <a:r>
+              <a:rPr lang="en-AU" dirty="0"/>
+              <a:t>Establishes a threshold of injury, death or destruction when a state has the right to defend itself</a:t>
             </a:r>
           </a:p>
           <a:p>
             <a:pPr lvl="1"/>
             <a:r>
               <a:rPr lang="en-AU" dirty="0"/>
-              <a:t>Since there was armed conflict at the time, attacking a site with “enemy combatants” is likely to have been legally legitimate</a:t>
-            </a:r>
-          </a:p>
-          <a:p>
-            <a:pPr lvl="1"/>
+              <a:t>Counterforce needs to be proportional in scale and effect</a:t>
+            </a:r>
+          </a:p>
+          <a:p>
             <a:r>
               <a:rPr lang="en-AU" dirty="0"/>
-              <a:t>The issue surrounded the politics of only drawing connections between a cyber attack and a kinetic response</a:t>
+              <a:t>Problems with judging necessity, intent, damage and proportionality</a:t>
+            </a:r>
+          </a:p>
+          <a:p>
+            <a:r>
+              <a:rPr lang="en-AU" dirty="0"/>
+              <a:t>The manual was never supposed to be prescriptive</a:t>
             </a:r>
           </a:p>
           <a:p>
@@ -19122,7 +19128,7 @@
     </p:spTree>
     <p:extLst>
       <p:ext uri="{BB962C8B-B14F-4D97-AF65-F5344CB8AC3E}">
-        <p14:creationId xmlns:p14="http://schemas.microsoft.com/office/powerpoint/2010/main" val="2324445243"/>
+        <p14:creationId xmlns:p14="http://schemas.microsoft.com/office/powerpoint/2010/main" val="2937359678"/>
       </p:ext>
     </p:extLst>
   </p:cSld>
@@ -19172,6 +19178,155 @@
           <a:p>
             <a:r>
               <a:rPr lang="en-AU" dirty="0"/>
+              <a:t>Cyber warfare case study: Israel’s attack on Hamas Cyber HQ 2019</a:t>
+            </a:r>
+          </a:p>
+        </p:txBody>
+      </p:sp>
+      <p:sp>
+        <p:nvSpPr>
+          <p:cNvPr id="3" name="Content Placeholder 2">
+            <a:extLst>
+              <a:ext uri="{FF2B5EF4-FFF2-40B4-BE49-F238E27FC236}">
+                <a16:creationId xmlns:a16="http://schemas.microsoft.com/office/drawing/2014/main" id="{C29FA815-F1A1-E848-8BE0-A481039CE411}"/>
+              </a:ext>
+            </a:extLst>
+          </p:cNvPr>
+          <p:cNvSpPr>
+            <a:spLocks noGrp="1"/>
+          </p:cNvSpPr>
+          <p:nvPr>
+            <p:ph idx="1"/>
+          </p:nvPr>
+        </p:nvSpPr>
+        <p:spPr>
+          <a:xfrm>
+            <a:off x="913795" y="2076450"/>
+            <a:ext cx="10353762" cy="4352342"/>
+          </a:xfrm>
+        </p:spPr>
+        <p:txBody>
+          <a:bodyPr>
+            <a:normAutofit lnSpcReduction="10000"/>
+          </a:bodyPr>
+          <a:lstStyle/>
+          <a:p>
+            <a:r>
+              <a:rPr lang="en-AU" dirty="0"/>
+              <a:t>During a period of conflict between Hamas, a Palestinian group, Israel claimed that they had come under cyber attack that would have harmed “the quality of life of Israeli citizens”.</a:t>
+            </a:r>
+          </a:p>
+          <a:p>
+            <a:r>
+              <a:rPr lang="en-AU" dirty="0"/>
+              <a:t>They responded by blowing up the building they claimed was being used by Hamas’ Cyber Operations group</a:t>
+            </a:r>
+          </a:p>
+          <a:p>
+            <a:r>
+              <a:rPr lang="en-AU" dirty="0"/>
+              <a:t>It was not known whether there had been any casualties and/or deaths as a result</a:t>
+            </a:r>
+          </a:p>
+          <a:p>
+            <a:r>
+              <a:rPr lang="en-AU" dirty="0"/>
+              <a:t>The legal legitimacy and consequences of the action have been strongly debated</a:t>
+            </a:r>
+          </a:p>
+          <a:p>
+            <a:pPr lvl="1"/>
+            <a:r>
+              <a:rPr lang="en-AU" dirty="0"/>
+              <a:t>Since there was armed conflict at the time, attacking a site with “enemy combatants” is likely to have been legally legitimate</a:t>
+            </a:r>
+          </a:p>
+          <a:p>
+            <a:pPr lvl="1"/>
+            <a:r>
+              <a:rPr lang="en-AU" dirty="0"/>
+              <a:t>The issue surrounded the politics of only drawing connections between a cyber attack and a kinetic response</a:t>
+            </a:r>
+          </a:p>
+          <a:p>
+            <a:pPr lvl="1"/>
+            <a:endParaRPr lang="en-AU" dirty="0"/>
+          </a:p>
+          <a:p>
+            <a:endParaRPr lang="en-AU" dirty="0"/>
+          </a:p>
+          <a:p>
+            <a:endParaRPr lang="en-AU" dirty="0"/>
+          </a:p>
+          <a:p>
+            <a:endParaRPr lang="en-US" dirty="0"/>
+          </a:p>
+          <a:p>
+            <a:pPr marL="36900" indent="0">
+              <a:buNone/>
+            </a:pPr>
+            <a:endParaRPr lang="en-AU" dirty="0">
+              <a:effectLst/>
+            </a:endParaRPr>
+          </a:p>
+          <a:p>
+            <a:endParaRPr lang="en-AU" sz="2000" dirty="0"/>
+          </a:p>
+        </p:txBody>
+      </p:sp>
+    </p:spTree>
+    <p:extLst>
+      <p:ext uri="{BB962C8B-B14F-4D97-AF65-F5344CB8AC3E}">
+        <p14:creationId xmlns:p14="http://schemas.microsoft.com/office/powerpoint/2010/main" val="2324445243"/>
+      </p:ext>
+    </p:extLst>
+  </p:cSld>
+  <p:clrMapOvr>
+    <a:masterClrMapping/>
+  </p:clrMapOvr>
+</p:sld>
+</file>
+
+<file path=ppt/slides/slide37.xml><?xml version="1.0" encoding="utf-8"?>
+<p:sld xmlns:a="http://schemas.openxmlformats.org/drawingml/2006/main" xmlns:r="http://schemas.openxmlformats.org/officeDocument/2006/relationships" xmlns:p="http://schemas.openxmlformats.org/presentationml/2006/main">
+  <p:cSld>
+    <p:spTree>
+      <p:nvGrpSpPr>
+        <p:cNvPr id="1" name=""/>
+        <p:cNvGrpSpPr/>
+        <p:nvPr/>
+      </p:nvGrpSpPr>
+      <p:grpSpPr>
+        <a:xfrm>
+          <a:off x="0" y="0"/>
+          <a:ext cx="0" cy="0"/>
+          <a:chOff x="0" y="0"/>
+          <a:chExt cx="0" cy="0"/>
+        </a:xfrm>
+      </p:grpSpPr>
+      <p:sp>
+        <p:nvSpPr>
+          <p:cNvPr id="2" name="Title 1">
+            <a:extLst>
+              <a:ext uri="{FF2B5EF4-FFF2-40B4-BE49-F238E27FC236}">
+                <a16:creationId xmlns:a16="http://schemas.microsoft.com/office/drawing/2014/main" id="{07F6FF8C-A74B-E640-AF2F-9B4E07A213CF}"/>
+              </a:ext>
+            </a:extLst>
+          </p:cNvPr>
+          <p:cNvSpPr>
+            <a:spLocks noGrp="1"/>
+          </p:cNvSpPr>
+          <p:nvPr>
+            <p:ph type="title"/>
+          </p:nvPr>
+        </p:nvSpPr>
+        <p:spPr/>
+        <p:txBody>
+          <a:bodyPr/>
+          <a:lstStyle/>
+          <a:p>
+            <a:r>
+              <a:rPr lang="en-AU" dirty="0"/>
               <a:t>Other Laws</a:t>
             </a:r>
           </a:p>
@@ -19309,7 +19464,7 @@
 </p:sld>
 </file>
 
-<file path=ppt/slides/slide37.xml><?xml version="1.0" encoding="utf-8"?>
+<file path=ppt/slides/slide38.xml><?xml version="1.0" encoding="utf-8"?>
 <p:sld xmlns:a="http://schemas.openxmlformats.org/drawingml/2006/main" xmlns:r="http://schemas.openxmlformats.org/officeDocument/2006/relationships" xmlns:p="http://schemas.openxmlformats.org/presentationml/2006/main">
   <p:cSld>
     <p:spTree>
